--- a/slides/Async Programming with Modern JavaScript and TypeScript.pptx
+++ b/slides/Async Programming with Modern JavaScript and TypeScript.pptx
@@ -11776,7 +11776,11 @@
           <a:p>
             <a:r>
               <a:rPr lang="de-AT" dirty="0"/>
-              <a:t>Workshop</a:t>
+              <a:t>parallel Conference </a:t>
+            </a:r>
+            <a:r>
+              <a:rPr lang="de-AT"/>
+              <a:t>- Session</a:t>
             </a:r>
             <a:endParaRPr lang="en-US" dirty="0"/>
           </a:p>
@@ -12051,7 +12055,6 @@
               <a:rPr lang="en-US"/>
               <a:t>Observables</a:t>
             </a:r>
-            <a:endParaRPr lang="en-US"/>
           </a:p>
         </p:txBody>
       </p:sp>
@@ -12074,7 +12077,6 @@
               <a:rPr lang="en-US"/>
               <a:t>Creating</a:t>
             </a:r>
-            <a:endParaRPr lang="en-US"/>
           </a:p>
           <a:p>
             <a:pPr lvl="1"/>
@@ -12084,9 +12086,6 @@
               </a:rPr>
               <a:t>Rx.Observable.create</a:t>
             </a:r>
-            <a:endParaRPr lang="en-US">
-              <a:latin typeface="Consolas" panose="020B0609020204030204" pitchFamily="49" charset="0"/>
-            </a:endParaRPr>
           </a:p>
           <a:p>
             <a:pPr lvl="1"/>
@@ -12103,7 +12102,6 @@
               <a:rPr lang="en-US"/>
               <a:t>Subscribing</a:t>
             </a:r>
-            <a:endParaRPr lang="en-US"/>
           </a:p>
           <a:p>
             <a:pPr lvl="1"/>
@@ -12113,16 +12111,12 @@
               </a:rPr>
               <a:t>Observable.subscribe</a:t>
             </a:r>
-            <a:endParaRPr lang="en-US">
-              <a:latin typeface="Consolas" panose="020B0609020204030204" pitchFamily="49" charset="0"/>
-            </a:endParaRPr>
           </a:p>
           <a:p>
             <a:r>
               <a:rPr lang="en-US"/>
               <a:t>Executing</a:t>
             </a:r>
-            <a:endParaRPr lang="en-US"/>
           </a:p>
           <a:p>
             <a:pPr lvl="1"/>
@@ -12152,16 +12146,12 @@
               </a:rPr>
               <a:t>Observer.complete</a:t>
             </a:r>
-            <a:endParaRPr lang="en-US">
-              <a:latin typeface="Consolas" panose="020B0609020204030204" pitchFamily="49" charset="0"/>
-            </a:endParaRPr>
           </a:p>
           <a:p>
             <a:r>
               <a:rPr lang="en-US"/>
               <a:t>Disposing</a:t>
             </a:r>
-            <a:endParaRPr lang="en-US"/>
           </a:p>
           <a:p>
             <a:pPr lvl="1"/>
@@ -12171,9 +12161,6 @@
               </a:rPr>
               <a:t>Subscription.unsubscribe</a:t>
             </a:r>
-            <a:endParaRPr lang="en-US">
-              <a:latin typeface="Consolas" panose="020B0609020204030204" pitchFamily="49" charset="0"/>
-            </a:endParaRPr>
           </a:p>
         </p:txBody>
       </p:sp>
@@ -12248,7 +12235,6 @@
               <a:rPr lang="en-US"/>
               <a:t>Operators</a:t>
             </a:r>
-            <a:endParaRPr lang="en-US"/>
           </a:p>
         </p:txBody>
       </p:sp>
@@ -12430,7 +12416,6 @@
               <a:rPr lang="en-US"/>
               <a:t>RxJS</a:t>
             </a:r>
-            <a:endParaRPr lang="en-US"/>
           </a:p>
         </p:txBody>
       </p:sp>
@@ -12453,28 +12438,24 @@
               <a:rPr lang="en-US"/>
               <a:t>Creating</a:t>
             </a:r>
-            <a:endParaRPr lang="en-US"/>
           </a:p>
           <a:p>
             <a:r>
               <a:rPr lang="en-US"/>
               <a:t>Subscribing</a:t>
             </a:r>
-            <a:endParaRPr lang="en-US"/>
           </a:p>
           <a:p>
             <a:r>
               <a:rPr lang="en-US"/>
               <a:t>Executing</a:t>
             </a:r>
-            <a:endParaRPr lang="en-US"/>
           </a:p>
           <a:p>
             <a:r>
               <a:rPr lang="en-US"/>
               <a:t>Disposing</a:t>
             </a:r>
-            <a:endParaRPr lang="en-US"/>
           </a:p>
         </p:txBody>
       </p:sp>
@@ -13129,7 +13110,6 @@
               <a:rPr lang="en-US"/>
               <a:t>Summary</a:t>
             </a:r>
-            <a:endParaRPr lang="en-US"/>
           </a:p>
         </p:txBody>
       </p:sp>
@@ -13152,14 +13132,12 @@
               <a:rPr lang="en-US"/>
               <a:t>Async shines with Promises, async/await, and RxJS</a:t>
             </a:r>
-            <a:endParaRPr lang="en-US"/>
           </a:p>
           <a:p>
             <a:r>
               <a:rPr lang="en-US"/>
               <a:t>Works with ES5 and more recent versions</a:t>
             </a:r>
-            <a:endParaRPr lang="en-US"/>
           </a:p>
           <a:p>
             <a:pPr lvl="1"/>
@@ -13167,7 +13145,6 @@
               <a:rPr lang="en-US"/>
               <a:t>Use Polyfills for Promises in ES5</a:t>
             </a:r>
-            <a:endParaRPr lang="en-US"/>
           </a:p>
           <a:p>
             <a:pPr lvl="1"/>
@@ -13175,14 +13152,12 @@
               <a:rPr lang="en-US"/>
               <a:t>Use TypeScript to compile async/await to ES5 and ES6</a:t>
             </a:r>
-            <a:endParaRPr lang="en-US"/>
           </a:p>
           <a:p>
             <a:r>
               <a:rPr lang="en-US"/>
               <a:t>Why RxJS when there are Promises and async/await in ES?</a:t>
             </a:r>
-            <a:endParaRPr lang="en-US"/>
           </a:p>
           <a:p>
             <a:pPr lvl="1"/>
@@ -13201,7 +13176,6 @@
               <a:rPr lang="en-US"/>
               <a:t>, cancel)</a:t>
             </a:r>
-            <a:endParaRPr lang="en-US"/>
           </a:p>
         </p:txBody>
       </p:sp>
@@ -13631,7 +13605,6 @@
               <a:rPr lang="de-AT" sz="1800" dirty="0"/>
               <a:t>, express, Angular, Node.js) gezeigt.</a:t>
             </a:r>
-            <a:endParaRPr lang="de-AT" sz="1800" dirty="0"/>
           </a:p>
         </p:txBody>
       </p:sp>
@@ -14018,7 +13991,6 @@
               <a:rPr lang="en-US"/>
               <a:t>Promises</a:t>
             </a:r>
-            <a:endParaRPr lang="en-US"/>
           </a:p>
         </p:txBody>
       </p:sp>
@@ -14041,28 +14013,24 @@
               <a:rPr lang="en-US"/>
               <a:t>Creating promises</a:t>
             </a:r>
-            <a:endParaRPr lang="en-US"/>
           </a:p>
           <a:p>
             <a:r>
               <a:rPr lang="en-US"/>
               <a:t>Using promises</a:t>
             </a:r>
-            <a:endParaRPr lang="en-US"/>
           </a:p>
           <a:p>
             <a:r>
               <a:rPr lang="en-US"/>
               <a:t>Error handling</a:t>
             </a:r>
-            <a:endParaRPr lang="en-US"/>
           </a:p>
           <a:p>
             <a:r>
               <a:rPr lang="en-US"/>
               <a:t>Async/await</a:t>
             </a:r>
-            <a:endParaRPr lang="en-US"/>
           </a:p>
         </p:txBody>
       </p:sp>
@@ -15827,21 +15795,6 @@
 </file>
 
 <file path=customXml/item1.xml><?xml version="1.0" encoding="utf-8"?>
-<p:properties xmlns:p="http://schemas.microsoft.com/office/2006/metadata/properties" xmlns:xsi="http://www.w3.org/2001/XMLSchema-instance">
-  <documentManagement/>
-</p:properties>
-</file>
-
-<file path=customXml/item2.xml><?xml version="1.0" encoding="utf-8"?>
-<?mso-contentType ?>
-<FormTemplates xmlns="http://schemas.microsoft.com/sharepoint/v3/contenttype/forms">
-  <Display>DocumentLibraryForm</Display>
-  <Edit>DocumentLibraryForm</Edit>
-  <New>DocumentLibraryForm</New>
-</FormTemplates>
-</file>
-
-<file path=customXml/item3.xml><?xml version="1.0" encoding="utf-8"?>
 <ct:contentTypeSchema xmlns:ct="http://schemas.microsoft.com/office/2006/metadata/contentType" xmlns:ma="http://schemas.microsoft.com/office/2006/metadata/properties/metaAttributes" ct:_="" ma:_="" ma:contentTypeName="Document" ma:contentTypeID="0x0101006C90029AD581154692170791F90B0BA6" ma:contentTypeVersion="0" ma:contentTypeDescription="Create a new document." ma:contentTypeScope="" ma:versionID="453f2a28f59e13bb333d4563bd7e6ec5">
   <xsd:schema xmlns:xsd="http://www.w3.org/2001/XMLSchema" xmlns:p="http://schemas.microsoft.com/office/2006/metadata/properties" targetNamespace="http://schemas.microsoft.com/office/2006/metadata/properties" ma:root="true" ma:fieldsID="4aeb20c0e3442673af7ee10786458764">
     <xsd:element name="properties">
@@ -15890,16 +15843,32 @@
 </ct:contentTypeSchema>
 </file>
 
+<file path=customXml/item2.xml><?xml version="1.0" encoding="utf-8"?>
+<?mso-contentType ?>
+<FormTemplates xmlns="http://schemas.microsoft.com/sharepoint/v3/contenttype/forms">
+  <Display>DocumentLibraryForm</Display>
+  <Edit>DocumentLibraryForm</Edit>
+  <New>DocumentLibraryForm</New>
+</FormTemplates>
+</file>
+
+<file path=customXml/item3.xml><?xml version="1.0" encoding="utf-8"?>
+<p:properties xmlns:p="http://schemas.microsoft.com/office/2006/metadata/properties" xmlns:xsi="http://www.w3.org/2001/XMLSchema-instance">
+  <documentManagement/>
+</p:properties>
+</file>
+
 <file path=customXml/itemProps1.xml><?xml version="1.0" encoding="utf-8"?>
-<ds:datastoreItem xmlns:ds="http://schemas.openxmlformats.org/officeDocument/2006/customXml" ds:itemID="{03D43D4A-F5F8-47F6-A4EC-521F433C91BF}">
+<ds:datastoreItem xmlns:ds="http://schemas.openxmlformats.org/officeDocument/2006/customXml" ds:itemID="{14A11C81-3A20-458B-AC33-D8C9DB9BBB4A}">
   <ds:schemaRefs>
+    <ds:schemaRef ds:uri="http://schemas.microsoft.com/office/2006/metadata/contentType"/>
+    <ds:schemaRef ds:uri="http://schemas.microsoft.com/office/2006/metadata/properties/metaAttributes"/>
+    <ds:schemaRef ds:uri="http://www.w3.org/2001/XMLSchema"/>
+    <ds:schemaRef ds:uri="http://schemas.microsoft.com/office/2006/metadata/properties"/>
+    <ds:schemaRef ds:uri="http://schemas.openxmlformats.org/package/2006/metadata/core-properties"/>
     <ds:schemaRef ds:uri="http://purl.org/dc/elements/1.1/"/>
-    <ds:schemaRef ds:uri="http://schemas.microsoft.com/office/2006/metadata/properties"/>
     <ds:schemaRef ds:uri="http://purl.org/dc/terms/"/>
-    <ds:schemaRef ds:uri="http://schemas.openxmlformats.org/package/2006/metadata/core-properties"/>
-    <ds:schemaRef ds:uri="http://schemas.microsoft.com/office/2006/documentManagement/types"/>
-    <ds:schemaRef ds:uri="http://www.w3.org/XML/1998/namespace"/>
-    <ds:schemaRef ds:uri="http://purl.org/dc/dcmitype/"/>
+    <ds:schemaRef ds:uri="http://schemas.microsoft.com/office/internal/2005/internalDocumentation"/>
   </ds:schemaRefs>
 </ds:datastoreItem>
 </file>
@@ -15913,16 +15882,15 @@
 </file>
 
 <file path=customXml/itemProps3.xml><?xml version="1.0" encoding="utf-8"?>
-<ds:datastoreItem xmlns:ds="http://schemas.openxmlformats.org/officeDocument/2006/customXml" ds:itemID="{14A11C81-3A20-458B-AC33-D8C9DB9BBB4A}">
+<ds:datastoreItem xmlns:ds="http://schemas.openxmlformats.org/officeDocument/2006/customXml" ds:itemID="{03D43D4A-F5F8-47F6-A4EC-521F433C91BF}">
   <ds:schemaRefs>
-    <ds:schemaRef ds:uri="http://schemas.microsoft.com/office/2006/metadata/contentType"/>
-    <ds:schemaRef ds:uri="http://schemas.microsoft.com/office/2006/metadata/properties/metaAttributes"/>
-    <ds:schemaRef ds:uri="http://www.w3.org/2001/XMLSchema"/>
+    <ds:schemaRef ds:uri="http://purl.org/dc/elements/1.1/"/>
     <ds:schemaRef ds:uri="http://schemas.microsoft.com/office/2006/metadata/properties"/>
+    <ds:schemaRef ds:uri="http://purl.org/dc/terms/"/>
     <ds:schemaRef ds:uri="http://schemas.openxmlformats.org/package/2006/metadata/core-properties"/>
-    <ds:schemaRef ds:uri="http://purl.org/dc/elements/1.1/"/>
-    <ds:schemaRef ds:uri="http://purl.org/dc/terms/"/>
-    <ds:schemaRef ds:uri="http://schemas.microsoft.com/office/internal/2005/internalDocumentation"/>
+    <ds:schemaRef ds:uri="http://schemas.microsoft.com/office/2006/documentManagement/types"/>
+    <ds:schemaRef ds:uri="http://www.w3.org/XML/1998/namespace"/>
+    <ds:schemaRef ds:uri="http://purl.org/dc/dcmitype/"/>
   </ds:schemaRefs>
 </ds:datastoreItem>
 </file>